--- a/グループ制作C班.pptx
+++ b/グループ制作C班.pptx
@@ -1058,8 +1058,8 @@
     <dgm:cxn modelId="{370252DB-EA89-4890-8027-CCBDB6BE6FFD}" srcId="{6C06AD46-6EA8-4957-8AC2-AFC76D94AE2F}" destId="{336938A5-0717-4107-9D26-30FF3FC20EBC}" srcOrd="0" destOrd="0" parTransId="{43FA8D64-AE7E-443E-A439-9A61BD5C6E9D}" sibTransId="{88E32698-F9CF-4892-B50C-39585B03A20B}"/>
     <dgm:cxn modelId="{33BB190C-E0F7-416B-8295-5B032AC39F77}" type="presOf" srcId="{88E32698-F9CF-4892-B50C-39585B03A20B}" destId="{F64C0DB8-3B9F-4668-A71B-A15B139C43B2}" srcOrd="1" destOrd="0" presId="urn:microsoft.com/office/officeart/2005/8/layout/process2"/>
     <dgm:cxn modelId="{E66FCE9E-AD02-4077-ADDE-42D05DC65BE1}" srcId="{6C06AD46-6EA8-4957-8AC2-AFC76D94AE2F}" destId="{35E94388-E8F0-4306-B775-2230663E12CB}" srcOrd="1" destOrd="0" parTransId="{65CA3299-B65F-4829-B191-4AA1202B1936}" sibTransId="{8A49A0FC-4C18-44EA-B14F-615AA78B4163}"/>
+    <dgm:cxn modelId="{34D6B70C-CD14-4B0C-9131-E4C620276AC9}" type="presOf" srcId="{35E94388-E8F0-4306-B775-2230663E12CB}" destId="{DF867CDC-1870-42CF-AA7E-985809332632}" srcOrd="0" destOrd="0" presId="urn:microsoft.com/office/officeart/2005/8/layout/process2"/>
     <dgm:cxn modelId="{7700636B-055B-4982-8D2F-38868C917995}" type="presOf" srcId="{6C06AD46-6EA8-4957-8AC2-AFC76D94AE2F}" destId="{18119EA7-7503-43A1-AA53-4AFFDA579BFB}" srcOrd="0" destOrd="0" presId="urn:microsoft.com/office/officeart/2005/8/layout/process2"/>
-    <dgm:cxn modelId="{34D6B70C-CD14-4B0C-9131-E4C620276AC9}" type="presOf" srcId="{35E94388-E8F0-4306-B775-2230663E12CB}" destId="{DF867CDC-1870-42CF-AA7E-985809332632}" srcOrd="0" destOrd="0" presId="urn:microsoft.com/office/officeart/2005/8/layout/process2"/>
     <dgm:cxn modelId="{E568FDF8-25C5-4277-8505-0FF00E6591BF}" type="presParOf" srcId="{18119EA7-7503-43A1-AA53-4AFFDA579BFB}" destId="{47E4F18B-947A-40E9-97C2-63A3246E1FA0}" srcOrd="0" destOrd="0" presId="urn:microsoft.com/office/officeart/2005/8/layout/process2"/>
     <dgm:cxn modelId="{252D60F1-8FAE-4AAC-BD5B-C05E73150AC9}" type="presParOf" srcId="{18119EA7-7503-43A1-AA53-4AFFDA579BFB}" destId="{47F8FA4A-FAB5-4F40-85F8-AE0CC5C6717F}" srcOrd="1" destOrd="0" presId="urn:microsoft.com/office/officeart/2005/8/layout/process2"/>
     <dgm:cxn modelId="{0E7EF56F-8930-4726-A117-5A61C0B7AEB0}" type="presParOf" srcId="{47F8FA4A-FAB5-4F40-85F8-AE0CC5C6717F}" destId="{F64C0DB8-3B9F-4668-A71B-A15B139C43B2}" srcOrd="0" destOrd="0" presId="urn:microsoft.com/office/officeart/2005/8/layout/process2"/>
@@ -8655,6 +8655,13 @@
   <p:clrMapOvr>
     <a:masterClrMapping/>
   </p:clrMapOvr>
+  <p:timing>
+    <p:tnLst>
+      <p:par>
+        <p:cTn id="1" dur="indefinite" restart="never" nodeType="tmRoot"/>
+      </p:par>
+    </p:tnLst>
+  </p:timing>
 </p:sld>
 </file>
 
@@ -8984,6 +8991,456 @@
   <p:clrMapOvr>
     <a:masterClrMapping/>
   </p:clrMapOvr>
+  <p:timing>
+    <p:tnLst>
+      <p:par>
+        <p:cTn id="1" dur="indefinite" restart="never" nodeType="tmRoot">
+          <p:childTnLst>
+            <p:seq concurrent="1" nextAc="seek">
+              <p:cTn id="2" dur="indefinite" nodeType="mainSeq">
+                <p:childTnLst>
+                  <p:par>
+                    <p:cTn id="3" fill="hold">
+                      <p:stCondLst>
+                        <p:cond delay="indefinite"/>
+                      </p:stCondLst>
+                      <p:childTnLst>
+                        <p:par>
+                          <p:cTn id="4" fill="hold">
+                            <p:stCondLst>
+                              <p:cond delay="0"/>
+                            </p:stCondLst>
+                            <p:childTnLst>
+                              <p:par>
+                                <p:cTn id="5" presetID="22" presetClass="entr" presetSubtype="4" fill="hold" grpId="0" nodeType="clickEffect">
+                                  <p:stCondLst>
+                                    <p:cond delay="0"/>
+                                  </p:stCondLst>
+                                  <p:childTnLst>
+                                    <p:set>
+                                      <p:cBhvr>
+                                        <p:cTn id="6" dur="1" fill="hold">
+                                          <p:stCondLst>
+                                            <p:cond delay="0"/>
+                                          </p:stCondLst>
+                                        </p:cTn>
+                                        <p:tgtEl>
+                                          <p:spTgt spid="2"/>
+                                        </p:tgtEl>
+                                        <p:attrNameLst>
+                                          <p:attrName>style.visibility</p:attrName>
+                                        </p:attrNameLst>
+                                      </p:cBhvr>
+                                      <p:to>
+                                        <p:strVal val="visible"/>
+                                      </p:to>
+                                    </p:set>
+                                    <p:animEffect transition="in" filter="wipe(down)">
+                                      <p:cBhvr>
+                                        <p:cTn id="7" dur="500"/>
+                                        <p:tgtEl>
+                                          <p:spTgt spid="2"/>
+                                        </p:tgtEl>
+                                      </p:cBhvr>
+                                    </p:animEffect>
+                                  </p:childTnLst>
+                                </p:cTn>
+                              </p:par>
+                            </p:childTnLst>
+                          </p:cTn>
+                        </p:par>
+                      </p:childTnLst>
+                    </p:cTn>
+                  </p:par>
+                  <p:par>
+                    <p:cTn id="8" fill="hold">
+                      <p:stCondLst>
+                        <p:cond delay="indefinite"/>
+                      </p:stCondLst>
+                      <p:childTnLst>
+                        <p:par>
+                          <p:cTn id="9" fill="hold">
+                            <p:stCondLst>
+                              <p:cond delay="0"/>
+                            </p:stCondLst>
+                            <p:childTnLst>
+                              <p:par>
+                                <p:cTn id="10" presetID="10" presetClass="entr" presetSubtype="0" fill="hold" grpId="0" nodeType="clickEffect">
+                                  <p:stCondLst>
+                                    <p:cond delay="0"/>
+                                  </p:stCondLst>
+                                  <p:childTnLst>
+                                    <p:set>
+                                      <p:cBhvr>
+                                        <p:cTn id="11" dur="1" fill="hold">
+                                          <p:stCondLst>
+                                            <p:cond delay="0"/>
+                                          </p:stCondLst>
+                                        </p:cTn>
+                                        <p:tgtEl>
+                                          <p:spTgt spid="3">
+                                            <p:txEl>
+                                              <p:pRg st="0" end="0"/>
+                                            </p:txEl>
+                                          </p:spTgt>
+                                        </p:tgtEl>
+                                        <p:attrNameLst>
+                                          <p:attrName>style.visibility</p:attrName>
+                                        </p:attrNameLst>
+                                      </p:cBhvr>
+                                      <p:to>
+                                        <p:strVal val="visible"/>
+                                      </p:to>
+                                    </p:set>
+                                    <p:animEffect transition="in" filter="fade">
+                                      <p:cBhvr>
+                                        <p:cTn id="12" dur="500"/>
+                                        <p:tgtEl>
+                                          <p:spTgt spid="3">
+                                            <p:txEl>
+                                              <p:pRg st="0" end="0"/>
+                                            </p:txEl>
+                                          </p:spTgt>
+                                        </p:tgtEl>
+                                      </p:cBhvr>
+                                    </p:animEffect>
+                                  </p:childTnLst>
+                                </p:cTn>
+                              </p:par>
+                              <p:par>
+                                <p:cTn id="13" presetID="10" presetClass="entr" presetSubtype="0" fill="hold" grpId="0" nodeType="withEffect">
+                                  <p:stCondLst>
+                                    <p:cond delay="0"/>
+                                  </p:stCondLst>
+                                  <p:childTnLst>
+                                    <p:set>
+                                      <p:cBhvr>
+                                        <p:cTn id="14" dur="1" fill="hold">
+                                          <p:stCondLst>
+                                            <p:cond delay="0"/>
+                                          </p:stCondLst>
+                                        </p:cTn>
+                                        <p:tgtEl>
+                                          <p:spTgt spid="3">
+                                            <p:txEl>
+                                              <p:pRg st="1" end="1"/>
+                                            </p:txEl>
+                                          </p:spTgt>
+                                        </p:tgtEl>
+                                        <p:attrNameLst>
+                                          <p:attrName>style.visibility</p:attrName>
+                                        </p:attrNameLst>
+                                      </p:cBhvr>
+                                      <p:to>
+                                        <p:strVal val="visible"/>
+                                      </p:to>
+                                    </p:set>
+                                    <p:animEffect transition="in" filter="fade">
+                                      <p:cBhvr>
+                                        <p:cTn id="15" dur="500"/>
+                                        <p:tgtEl>
+                                          <p:spTgt spid="3">
+                                            <p:txEl>
+                                              <p:pRg st="1" end="1"/>
+                                            </p:txEl>
+                                          </p:spTgt>
+                                        </p:tgtEl>
+                                      </p:cBhvr>
+                                    </p:animEffect>
+                                  </p:childTnLst>
+                                </p:cTn>
+                              </p:par>
+                              <p:par>
+                                <p:cTn id="16" presetID="10" presetClass="entr" presetSubtype="0" fill="hold" grpId="0" nodeType="withEffect">
+                                  <p:stCondLst>
+                                    <p:cond delay="0"/>
+                                  </p:stCondLst>
+                                  <p:childTnLst>
+                                    <p:set>
+                                      <p:cBhvr>
+                                        <p:cTn id="17" dur="1" fill="hold">
+                                          <p:stCondLst>
+                                            <p:cond delay="0"/>
+                                          </p:stCondLst>
+                                        </p:cTn>
+                                        <p:tgtEl>
+                                          <p:spTgt spid="3">
+                                            <p:txEl>
+                                              <p:pRg st="2" end="2"/>
+                                            </p:txEl>
+                                          </p:spTgt>
+                                        </p:tgtEl>
+                                        <p:attrNameLst>
+                                          <p:attrName>style.visibility</p:attrName>
+                                        </p:attrNameLst>
+                                      </p:cBhvr>
+                                      <p:to>
+                                        <p:strVal val="visible"/>
+                                      </p:to>
+                                    </p:set>
+                                    <p:animEffect transition="in" filter="fade">
+                                      <p:cBhvr>
+                                        <p:cTn id="18" dur="500"/>
+                                        <p:tgtEl>
+                                          <p:spTgt spid="3">
+                                            <p:txEl>
+                                              <p:pRg st="2" end="2"/>
+                                            </p:txEl>
+                                          </p:spTgt>
+                                        </p:tgtEl>
+                                      </p:cBhvr>
+                                    </p:animEffect>
+                                  </p:childTnLst>
+                                </p:cTn>
+                              </p:par>
+                              <p:par>
+                                <p:cTn id="19" presetID="10" presetClass="entr" presetSubtype="0" fill="hold" grpId="0" nodeType="withEffect">
+                                  <p:stCondLst>
+                                    <p:cond delay="0"/>
+                                  </p:stCondLst>
+                                  <p:childTnLst>
+                                    <p:set>
+                                      <p:cBhvr>
+                                        <p:cTn id="20" dur="1" fill="hold">
+                                          <p:stCondLst>
+                                            <p:cond delay="0"/>
+                                          </p:stCondLst>
+                                        </p:cTn>
+                                        <p:tgtEl>
+                                          <p:spTgt spid="3">
+                                            <p:txEl>
+                                              <p:pRg st="3" end="3"/>
+                                            </p:txEl>
+                                          </p:spTgt>
+                                        </p:tgtEl>
+                                        <p:attrNameLst>
+                                          <p:attrName>style.visibility</p:attrName>
+                                        </p:attrNameLst>
+                                      </p:cBhvr>
+                                      <p:to>
+                                        <p:strVal val="visible"/>
+                                      </p:to>
+                                    </p:set>
+                                    <p:animEffect transition="in" filter="fade">
+                                      <p:cBhvr>
+                                        <p:cTn id="21" dur="500"/>
+                                        <p:tgtEl>
+                                          <p:spTgt spid="3">
+                                            <p:txEl>
+                                              <p:pRg st="3" end="3"/>
+                                            </p:txEl>
+                                          </p:spTgt>
+                                        </p:tgtEl>
+                                      </p:cBhvr>
+                                    </p:animEffect>
+                                  </p:childTnLst>
+                                </p:cTn>
+                              </p:par>
+                              <p:par>
+                                <p:cTn id="22" presetID="10" presetClass="entr" presetSubtype="0" fill="hold" grpId="0" nodeType="withEffect">
+                                  <p:stCondLst>
+                                    <p:cond delay="0"/>
+                                  </p:stCondLst>
+                                  <p:childTnLst>
+                                    <p:set>
+                                      <p:cBhvr>
+                                        <p:cTn id="23" dur="1" fill="hold">
+                                          <p:stCondLst>
+                                            <p:cond delay="0"/>
+                                          </p:stCondLst>
+                                        </p:cTn>
+                                        <p:tgtEl>
+                                          <p:spTgt spid="3">
+                                            <p:txEl>
+                                              <p:pRg st="4" end="4"/>
+                                            </p:txEl>
+                                          </p:spTgt>
+                                        </p:tgtEl>
+                                        <p:attrNameLst>
+                                          <p:attrName>style.visibility</p:attrName>
+                                        </p:attrNameLst>
+                                      </p:cBhvr>
+                                      <p:to>
+                                        <p:strVal val="visible"/>
+                                      </p:to>
+                                    </p:set>
+                                    <p:animEffect transition="in" filter="fade">
+                                      <p:cBhvr>
+                                        <p:cTn id="24" dur="500"/>
+                                        <p:tgtEl>
+                                          <p:spTgt spid="3">
+                                            <p:txEl>
+                                              <p:pRg st="4" end="4"/>
+                                            </p:txEl>
+                                          </p:spTgt>
+                                        </p:tgtEl>
+                                      </p:cBhvr>
+                                    </p:animEffect>
+                                  </p:childTnLst>
+                                </p:cTn>
+                              </p:par>
+                              <p:par>
+                                <p:cTn id="25" presetID="10" presetClass="entr" presetSubtype="0" fill="hold" grpId="0" nodeType="withEffect">
+                                  <p:stCondLst>
+                                    <p:cond delay="0"/>
+                                  </p:stCondLst>
+                                  <p:childTnLst>
+                                    <p:set>
+                                      <p:cBhvr>
+                                        <p:cTn id="26" dur="1" fill="hold">
+                                          <p:stCondLst>
+                                            <p:cond delay="0"/>
+                                          </p:stCondLst>
+                                        </p:cTn>
+                                        <p:tgtEl>
+                                          <p:spTgt spid="4">
+                                            <p:txEl>
+                                              <p:pRg st="0" end="0"/>
+                                            </p:txEl>
+                                          </p:spTgt>
+                                        </p:tgtEl>
+                                        <p:attrNameLst>
+                                          <p:attrName>style.visibility</p:attrName>
+                                        </p:attrNameLst>
+                                      </p:cBhvr>
+                                      <p:to>
+                                        <p:strVal val="visible"/>
+                                      </p:to>
+                                    </p:set>
+                                    <p:animEffect transition="in" filter="fade">
+                                      <p:cBhvr>
+                                        <p:cTn id="27" dur="500"/>
+                                        <p:tgtEl>
+                                          <p:spTgt spid="4">
+                                            <p:txEl>
+                                              <p:pRg st="0" end="0"/>
+                                            </p:txEl>
+                                          </p:spTgt>
+                                        </p:tgtEl>
+                                      </p:cBhvr>
+                                    </p:animEffect>
+                                  </p:childTnLst>
+                                </p:cTn>
+                              </p:par>
+                              <p:par>
+                                <p:cTn id="28" presetID="10" presetClass="entr" presetSubtype="0" fill="hold" grpId="0" nodeType="withEffect">
+                                  <p:stCondLst>
+                                    <p:cond delay="0"/>
+                                  </p:stCondLst>
+                                  <p:childTnLst>
+                                    <p:set>
+                                      <p:cBhvr>
+                                        <p:cTn id="29" dur="1" fill="hold">
+                                          <p:stCondLst>
+                                            <p:cond delay="0"/>
+                                          </p:stCondLst>
+                                        </p:cTn>
+                                        <p:tgtEl>
+                                          <p:spTgt spid="4">
+                                            <p:txEl>
+                                              <p:pRg st="1" end="1"/>
+                                            </p:txEl>
+                                          </p:spTgt>
+                                        </p:tgtEl>
+                                        <p:attrNameLst>
+                                          <p:attrName>style.visibility</p:attrName>
+                                        </p:attrNameLst>
+                                      </p:cBhvr>
+                                      <p:to>
+                                        <p:strVal val="visible"/>
+                                      </p:to>
+                                    </p:set>
+                                    <p:animEffect transition="in" filter="fade">
+                                      <p:cBhvr>
+                                        <p:cTn id="30" dur="500"/>
+                                        <p:tgtEl>
+                                          <p:spTgt spid="4">
+                                            <p:txEl>
+                                              <p:pRg st="1" end="1"/>
+                                            </p:txEl>
+                                          </p:spTgt>
+                                        </p:tgtEl>
+                                      </p:cBhvr>
+                                    </p:animEffect>
+                                  </p:childTnLst>
+                                </p:cTn>
+                              </p:par>
+                              <p:par>
+                                <p:cTn id="31" presetID="10" presetClass="entr" presetSubtype="0" fill="hold" grpId="0" nodeType="withEffect">
+                                  <p:stCondLst>
+                                    <p:cond delay="0"/>
+                                  </p:stCondLst>
+                                  <p:childTnLst>
+                                    <p:set>
+                                      <p:cBhvr>
+                                        <p:cTn id="32" dur="1" fill="hold">
+                                          <p:stCondLst>
+                                            <p:cond delay="0"/>
+                                          </p:stCondLst>
+                                        </p:cTn>
+                                        <p:tgtEl>
+                                          <p:spTgt spid="4">
+                                            <p:txEl>
+                                              <p:pRg st="2" end="2"/>
+                                            </p:txEl>
+                                          </p:spTgt>
+                                        </p:tgtEl>
+                                        <p:attrNameLst>
+                                          <p:attrName>style.visibility</p:attrName>
+                                        </p:attrNameLst>
+                                      </p:cBhvr>
+                                      <p:to>
+                                        <p:strVal val="visible"/>
+                                      </p:to>
+                                    </p:set>
+                                    <p:animEffect transition="in" filter="fade">
+                                      <p:cBhvr>
+                                        <p:cTn id="33" dur="500"/>
+                                        <p:tgtEl>
+                                          <p:spTgt spid="4">
+                                            <p:txEl>
+                                              <p:pRg st="2" end="2"/>
+                                            </p:txEl>
+                                          </p:spTgt>
+                                        </p:tgtEl>
+                                      </p:cBhvr>
+                                    </p:animEffect>
+                                  </p:childTnLst>
+                                </p:cTn>
+                              </p:par>
+                            </p:childTnLst>
+                          </p:cTn>
+                        </p:par>
+                      </p:childTnLst>
+                    </p:cTn>
+                  </p:par>
+                </p:childTnLst>
+              </p:cTn>
+              <p:prevCondLst>
+                <p:cond evt="onPrev" delay="0">
+                  <p:tgtEl>
+                    <p:sldTgt/>
+                  </p:tgtEl>
+                </p:cond>
+              </p:prevCondLst>
+              <p:nextCondLst>
+                <p:cond evt="onNext" delay="0">
+                  <p:tgtEl>
+                    <p:sldTgt/>
+                  </p:tgtEl>
+                </p:cond>
+              </p:nextCondLst>
+            </p:seq>
+          </p:childTnLst>
+        </p:cTn>
+      </p:par>
+    </p:tnLst>
+    <p:bldLst>
+      <p:bldP spid="2" grpId="0"/>
+      <p:bldP spid="3" grpId="0" uiExpand="1" build="p"/>
+      <p:bldP spid="4" grpId="0" uiExpand="1" build="p"/>
+    </p:bldLst>
+  </p:timing>
 </p:sld>
 </file>
 
@@ -9097,6 +9554,197 @@
   <p:clrMapOvr>
     <a:masterClrMapping/>
   </p:clrMapOvr>
+  <p:timing>
+    <p:tnLst>
+      <p:par>
+        <p:cTn id="1" dur="indefinite" restart="never" nodeType="tmRoot">
+          <p:childTnLst>
+            <p:seq concurrent="1" nextAc="seek">
+              <p:cTn id="2" dur="indefinite" nodeType="mainSeq">
+                <p:childTnLst>
+                  <p:par>
+                    <p:cTn id="3" fill="hold">
+                      <p:stCondLst>
+                        <p:cond delay="indefinite"/>
+                      </p:stCondLst>
+                      <p:childTnLst>
+                        <p:par>
+                          <p:cTn id="4" fill="hold">
+                            <p:stCondLst>
+                              <p:cond delay="0"/>
+                            </p:stCondLst>
+                            <p:childTnLst>
+                              <p:par>
+                                <p:cTn id="5" presetID="10" presetClass="entr" presetSubtype="0" fill="hold" grpId="0" nodeType="clickEffect">
+                                  <p:stCondLst>
+                                    <p:cond delay="0"/>
+                                  </p:stCondLst>
+                                  <p:childTnLst>
+                                    <p:set>
+                                      <p:cBhvr>
+                                        <p:cTn id="6" dur="1" fill="hold">
+                                          <p:stCondLst>
+                                            <p:cond delay="0"/>
+                                          </p:stCondLst>
+                                        </p:cTn>
+                                        <p:tgtEl>
+                                          <p:spTgt spid="2"/>
+                                        </p:tgtEl>
+                                        <p:attrNameLst>
+                                          <p:attrName>style.visibility</p:attrName>
+                                        </p:attrNameLst>
+                                      </p:cBhvr>
+                                      <p:to>
+                                        <p:strVal val="visible"/>
+                                      </p:to>
+                                    </p:set>
+                                    <p:animEffect transition="in" filter="fade">
+                                      <p:cBhvr>
+                                        <p:cTn id="7" dur="500"/>
+                                        <p:tgtEl>
+                                          <p:spTgt spid="2"/>
+                                        </p:tgtEl>
+                                      </p:cBhvr>
+                                    </p:animEffect>
+                                  </p:childTnLst>
+                                </p:cTn>
+                              </p:par>
+                            </p:childTnLst>
+                          </p:cTn>
+                        </p:par>
+                      </p:childTnLst>
+                    </p:cTn>
+                  </p:par>
+                  <p:par>
+                    <p:cTn id="8" fill="hold">
+                      <p:stCondLst>
+                        <p:cond delay="indefinite"/>
+                      </p:stCondLst>
+                      <p:childTnLst>
+                        <p:par>
+                          <p:cTn id="9" fill="hold">
+                            <p:stCondLst>
+                              <p:cond delay="0"/>
+                            </p:stCondLst>
+                            <p:childTnLst>
+                              <p:par>
+                                <p:cTn id="10" presetID="10" presetClass="entr" presetSubtype="0" fill="hold" grpId="0" nodeType="clickEffect">
+                                  <p:stCondLst>
+                                    <p:cond delay="0"/>
+                                  </p:stCondLst>
+                                  <p:childTnLst>
+                                    <p:set>
+                                      <p:cBhvr>
+                                        <p:cTn id="11" dur="1" fill="hold">
+                                          <p:stCondLst>
+                                            <p:cond delay="0"/>
+                                          </p:stCondLst>
+                                        </p:cTn>
+                                        <p:tgtEl>
+                                          <p:spTgt spid="3">
+                                            <p:txEl>
+                                              <p:pRg st="1" end="1"/>
+                                            </p:txEl>
+                                          </p:spTgt>
+                                        </p:tgtEl>
+                                        <p:attrNameLst>
+                                          <p:attrName>style.visibility</p:attrName>
+                                        </p:attrNameLst>
+                                      </p:cBhvr>
+                                      <p:to>
+                                        <p:strVal val="visible"/>
+                                      </p:to>
+                                    </p:set>
+                                    <p:animEffect transition="in" filter="fade">
+                                      <p:cBhvr>
+                                        <p:cTn id="12" dur="500"/>
+                                        <p:tgtEl>
+                                          <p:spTgt spid="3">
+                                            <p:txEl>
+                                              <p:pRg st="1" end="1"/>
+                                            </p:txEl>
+                                          </p:spTgt>
+                                        </p:tgtEl>
+                                      </p:cBhvr>
+                                    </p:animEffect>
+                                  </p:childTnLst>
+                                </p:cTn>
+                              </p:par>
+                              <p:par>
+                                <p:cTn id="13" presetID="10" presetClass="entr" presetSubtype="0" fill="hold" grpId="0" nodeType="withEffect">
+                                  <p:stCondLst>
+                                    <p:cond delay="0"/>
+                                  </p:stCondLst>
+                                  <p:childTnLst>
+                                    <p:set>
+                                      <p:cBhvr>
+                                        <p:cTn id="14" dur="1" fill="hold">
+                                          <p:stCondLst>
+                                            <p:cond delay="0"/>
+                                          </p:stCondLst>
+                                        </p:cTn>
+                                        <p:tgtEl>
+                                          <p:spTgt spid="3">
+                                            <p:txEl>
+                                              <p:pRg st="2" end="2"/>
+                                            </p:txEl>
+                                          </p:spTgt>
+                                        </p:tgtEl>
+                                        <p:attrNameLst>
+                                          <p:attrName>style.visibility</p:attrName>
+                                        </p:attrNameLst>
+                                      </p:cBhvr>
+                                      <p:to>
+                                        <p:strVal val="visible"/>
+                                      </p:to>
+                                    </p:set>
+                                    <p:animEffect transition="in" filter="fade">
+                                      <p:cBhvr>
+                                        <p:cTn id="15" dur="500"/>
+                                        <p:tgtEl>
+                                          <p:spTgt spid="3">
+                                            <p:txEl>
+                                              <p:pRg st="2" end="2"/>
+                                            </p:txEl>
+                                          </p:spTgt>
+                                        </p:tgtEl>
+                                      </p:cBhvr>
+                                    </p:animEffect>
+                                  </p:childTnLst>
+                                </p:cTn>
+                              </p:par>
+                            </p:childTnLst>
+                          </p:cTn>
+                        </p:par>
+                      </p:childTnLst>
+                    </p:cTn>
+                  </p:par>
+                </p:childTnLst>
+              </p:cTn>
+              <p:prevCondLst>
+                <p:cond evt="onPrev" delay="0">
+                  <p:tgtEl>
+                    <p:sldTgt/>
+                  </p:tgtEl>
+                </p:cond>
+              </p:prevCondLst>
+              <p:nextCondLst>
+                <p:cond evt="onNext" delay="0">
+                  <p:tgtEl>
+                    <p:sldTgt/>
+                  </p:tgtEl>
+                </p:cond>
+              </p:nextCondLst>
+            </p:seq>
+          </p:childTnLst>
+        </p:cTn>
+      </p:par>
+    </p:tnLst>
+    <p:bldLst>
+      <p:bldP spid="2" grpId="0"/>
+      <p:bldP spid="3" grpId="0" uiExpand="1" build="p"/>
+    </p:bldLst>
+  </p:timing>
 </p:sld>
 </file>
 
@@ -9247,6 +9895,370 @@
   <p:clrMapOvr>
     <a:masterClrMapping/>
   </p:clrMapOvr>
+  <p:timing>
+    <p:tnLst>
+      <p:par>
+        <p:cTn id="1" dur="indefinite" restart="never" nodeType="tmRoot">
+          <p:childTnLst>
+            <p:seq concurrent="1" nextAc="seek">
+              <p:cTn id="2" dur="indefinite" nodeType="mainSeq">
+                <p:childTnLst>
+                  <p:par>
+                    <p:cTn id="3" fill="hold">
+                      <p:stCondLst>
+                        <p:cond delay="indefinite"/>
+                      </p:stCondLst>
+                      <p:childTnLst>
+                        <p:par>
+                          <p:cTn id="4" fill="hold">
+                            <p:stCondLst>
+                              <p:cond delay="0"/>
+                            </p:stCondLst>
+                            <p:childTnLst>
+                              <p:par>
+                                <p:cTn id="5" presetID="10" presetClass="entr" presetSubtype="0" fill="hold" grpId="0" nodeType="clickEffect">
+                                  <p:stCondLst>
+                                    <p:cond delay="0"/>
+                                  </p:stCondLst>
+                                  <p:childTnLst>
+                                    <p:set>
+                                      <p:cBhvr>
+                                        <p:cTn id="6" dur="1" fill="hold">
+                                          <p:stCondLst>
+                                            <p:cond delay="0"/>
+                                          </p:stCondLst>
+                                        </p:cTn>
+                                        <p:tgtEl>
+                                          <p:spTgt spid="2"/>
+                                        </p:tgtEl>
+                                        <p:attrNameLst>
+                                          <p:attrName>style.visibility</p:attrName>
+                                        </p:attrNameLst>
+                                      </p:cBhvr>
+                                      <p:to>
+                                        <p:strVal val="visible"/>
+                                      </p:to>
+                                    </p:set>
+                                    <p:animEffect transition="in" filter="fade">
+                                      <p:cBhvr>
+                                        <p:cTn id="7" dur="500"/>
+                                        <p:tgtEl>
+                                          <p:spTgt spid="2"/>
+                                        </p:tgtEl>
+                                      </p:cBhvr>
+                                    </p:animEffect>
+                                  </p:childTnLst>
+                                </p:cTn>
+                              </p:par>
+                            </p:childTnLst>
+                          </p:cTn>
+                        </p:par>
+                      </p:childTnLst>
+                    </p:cTn>
+                  </p:par>
+                  <p:par>
+                    <p:cTn id="8" fill="hold">
+                      <p:stCondLst>
+                        <p:cond delay="indefinite"/>
+                      </p:stCondLst>
+                      <p:childTnLst>
+                        <p:par>
+                          <p:cTn id="9" fill="hold">
+                            <p:stCondLst>
+                              <p:cond delay="0"/>
+                            </p:stCondLst>
+                            <p:childTnLst>
+                              <p:par>
+                                <p:cTn id="10" presetID="10" presetClass="entr" presetSubtype="0" fill="hold" grpId="0" nodeType="clickEffect">
+                                  <p:stCondLst>
+                                    <p:cond delay="0"/>
+                                  </p:stCondLst>
+                                  <p:childTnLst>
+                                    <p:set>
+                                      <p:cBhvr>
+                                        <p:cTn id="11" dur="1" fill="hold">
+                                          <p:stCondLst>
+                                            <p:cond delay="0"/>
+                                          </p:stCondLst>
+                                        </p:cTn>
+                                        <p:tgtEl>
+                                          <p:spTgt spid="3">
+                                            <p:txEl>
+                                              <p:pRg st="0" end="0"/>
+                                            </p:txEl>
+                                          </p:spTgt>
+                                        </p:tgtEl>
+                                        <p:attrNameLst>
+                                          <p:attrName>style.visibility</p:attrName>
+                                        </p:attrNameLst>
+                                      </p:cBhvr>
+                                      <p:to>
+                                        <p:strVal val="visible"/>
+                                      </p:to>
+                                    </p:set>
+                                    <p:animEffect transition="in" filter="fade">
+                                      <p:cBhvr>
+                                        <p:cTn id="12" dur="500"/>
+                                        <p:tgtEl>
+                                          <p:spTgt spid="3">
+                                            <p:txEl>
+                                              <p:pRg st="0" end="0"/>
+                                            </p:txEl>
+                                          </p:spTgt>
+                                        </p:tgtEl>
+                                      </p:cBhvr>
+                                    </p:animEffect>
+                                  </p:childTnLst>
+                                </p:cTn>
+                              </p:par>
+                              <p:par>
+                                <p:cTn id="13" presetID="10" presetClass="entr" presetSubtype="0" fill="hold" grpId="0" nodeType="withEffect">
+                                  <p:stCondLst>
+                                    <p:cond delay="0"/>
+                                  </p:stCondLst>
+                                  <p:childTnLst>
+                                    <p:set>
+                                      <p:cBhvr>
+                                        <p:cTn id="14" dur="1" fill="hold">
+                                          <p:stCondLst>
+                                            <p:cond delay="0"/>
+                                          </p:stCondLst>
+                                        </p:cTn>
+                                        <p:tgtEl>
+                                          <p:spTgt spid="3">
+                                            <p:txEl>
+                                              <p:pRg st="1" end="1"/>
+                                            </p:txEl>
+                                          </p:spTgt>
+                                        </p:tgtEl>
+                                        <p:attrNameLst>
+                                          <p:attrName>style.visibility</p:attrName>
+                                        </p:attrNameLst>
+                                      </p:cBhvr>
+                                      <p:to>
+                                        <p:strVal val="visible"/>
+                                      </p:to>
+                                    </p:set>
+                                    <p:animEffect transition="in" filter="fade">
+                                      <p:cBhvr>
+                                        <p:cTn id="15" dur="500"/>
+                                        <p:tgtEl>
+                                          <p:spTgt spid="3">
+                                            <p:txEl>
+                                              <p:pRg st="1" end="1"/>
+                                            </p:txEl>
+                                          </p:spTgt>
+                                        </p:tgtEl>
+                                      </p:cBhvr>
+                                    </p:animEffect>
+                                  </p:childTnLst>
+                                </p:cTn>
+                              </p:par>
+                              <p:par>
+                                <p:cTn id="16" presetID="10" presetClass="entr" presetSubtype="0" fill="hold" grpId="0" nodeType="withEffect">
+                                  <p:stCondLst>
+                                    <p:cond delay="0"/>
+                                  </p:stCondLst>
+                                  <p:childTnLst>
+                                    <p:set>
+                                      <p:cBhvr>
+                                        <p:cTn id="17" dur="1" fill="hold">
+                                          <p:stCondLst>
+                                            <p:cond delay="0"/>
+                                          </p:stCondLst>
+                                        </p:cTn>
+                                        <p:tgtEl>
+                                          <p:spTgt spid="3">
+                                            <p:txEl>
+                                              <p:pRg st="2" end="2"/>
+                                            </p:txEl>
+                                          </p:spTgt>
+                                        </p:tgtEl>
+                                        <p:attrNameLst>
+                                          <p:attrName>style.visibility</p:attrName>
+                                        </p:attrNameLst>
+                                      </p:cBhvr>
+                                      <p:to>
+                                        <p:strVal val="visible"/>
+                                      </p:to>
+                                    </p:set>
+                                    <p:animEffect transition="in" filter="fade">
+                                      <p:cBhvr>
+                                        <p:cTn id="18" dur="500"/>
+                                        <p:tgtEl>
+                                          <p:spTgt spid="3">
+                                            <p:txEl>
+                                              <p:pRg st="2" end="2"/>
+                                            </p:txEl>
+                                          </p:spTgt>
+                                        </p:tgtEl>
+                                      </p:cBhvr>
+                                    </p:animEffect>
+                                  </p:childTnLst>
+                                </p:cTn>
+                              </p:par>
+                              <p:par>
+                                <p:cTn id="19" presetID="10" presetClass="entr" presetSubtype="0" fill="hold" grpId="0" nodeType="withEffect">
+                                  <p:stCondLst>
+                                    <p:cond delay="0"/>
+                                  </p:stCondLst>
+                                  <p:childTnLst>
+                                    <p:set>
+                                      <p:cBhvr>
+                                        <p:cTn id="20" dur="1" fill="hold">
+                                          <p:stCondLst>
+                                            <p:cond delay="0"/>
+                                          </p:stCondLst>
+                                        </p:cTn>
+                                        <p:tgtEl>
+                                          <p:spTgt spid="4">
+                                            <p:txEl>
+                                              <p:pRg st="0" end="0"/>
+                                            </p:txEl>
+                                          </p:spTgt>
+                                        </p:tgtEl>
+                                        <p:attrNameLst>
+                                          <p:attrName>style.visibility</p:attrName>
+                                        </p:attrNameLst>
+                                      </p:cBhvr>
+                                      <p:to>
+                                        <p:strVal val="visible"/>
+                                      </p:to>
+                                    </p:set>
+                                    <p:animEffect transition="in" filter="fade">
+                                      <p:cBhvr>
+                                        <p:cTn id="21" dur="500"/>
+                                        <p:tgtEl>
+                                          <p:spTgt spid="4">
+                                            <p:txEl>
+                                              <p:pRg st="0" end="0"/>
+                                            </p:txEl>
+                                          </p:spTgt>
+                                        </p:tgtEl>
+                                      </p:cBhvr>
+                                    </p:animEffect>
+                                  </p:childTnLst>
+                                </p:cTn>
+                              </p:par>
+                              <p:par>
+                                <p:cTn id="22" presetID="10" presetClass="entr" presetSubtype="0" fill="hold" grpId="0" nodeType="withEffect">
+                                  <p:stCondLst>
+                                    <p:cond delay="0"/>
+                                  </p:stCondLst>
+                                  <p:childTnLst>
+                                    <p:set>
+                                      <p:cBhvr>
+                                        <p:cTn id="23" dur="1" fill="hold">
+                                          <p:stCondLst>
+                                            <p:cond delay="0"/>
+                                          </p:stCondLst>
+                                        </p:cTn>
+                                        <p:tgtEl>
+                                          <p:spTgt spid="4">
+                                            <p:txEl>
+                                              <p:pRg st="1" end="1"/>
+                                            </p:txEl>
+                                          </p:spTgt>
+                                        </p:tgtEl>
+                                        <p:attrNameLst>
+                                          <p:attrName>style.visibility</p:attrName>
+                                        </p:attrNameLst>
+                                      </p:cBhvr>
+                                      <p:to>
+                                        <p:strVal val="visible"/>
+                                      </p:to>
+                                    </p:set>
+                                    <p:animEffect transition="in" filter="fade">
+                                      <p:cBhvr>
+                                        <p:cTn id="24" dur="500"/>
+                                        <p:tgtEl>
+                                          <p:spTgt spid="4">
+                                            <p:txEl>
+                                              <p:pRg st="1" end="1"/>
+                                            </p:txEl>
+                                          </p:spTgt>
+                                        </p:tgtEl>
+                                      </p:cBhvr>
+                                    </p:animEffect>
+                                  </p:childTnLst>
+                                </p:cTn>
+                              </p:par>
+                              <p:par>
+                                <p:cTn id="25" presetID="10" presetClass="entr" presetSubtype="0" fill="hold" grpId="0" nodeType="withEffect">
+                                  <p:stCondLst>
+                                    <p:cond delay="0"/>
+                                  </p:stCondLst>
+                                  <p:childTnLst>
+                                    <p:set>
+                                      <p:cBhvr>
+                                        <p:cTn id="26" dur="1" fill="hold">
+                                          <p:stCondLst>
+                                            <p:cond delay="0"/>
+                                          </p:stCondLst>
+                                        </p:cTn>
+                                        <p:tgtEl>
+                                          <p:spTgt spid="4">
+                                            <p:txEl>
+                                              <p:pRg st="2" end="2"/>
+                                            </p:txEl>
+                                          </p:spTgt>
+                                        </p:tgtEl>
+                                        <p:attrNameLst>
+                                          <p:attrName>style.visibility</p:attrName>
+                                        </p:attrNameLst>
+                                      </p:cBhvr>
+                                      <p:to>
+                                        <p:strVal val="visible"/>
+                                      </p:to>
+                                    </p:set>
+                                    <p:animEffect transition="in" filter="fade">
+                                      <p:cBhvr>
+                                        <p:cTn id="27" dur="500"/>
+                                        <p:tgtEl>
+                                          <p:spTgt spid="4">
+                                            <p:txEl>
+                                              <p:pRg st="2" end="2"/>
+                                            </p:txEl>
+                                          </p:spTgt>
+                                        </p:tgtEl>
+                                      </p:cBhvr>
+                                    </p:animEffect>
+                                  </p:childTnLst>
+                                </p:cTn>
+                              </p:par>
+                            </p:childTnLst>
+                          </p:cTn>
+                        </p:par>
+                      </p:childTnLst>
+                    </p:cTn>
+                  </p:par>
+                </p:childTnLst>
+              </p:cTn>
+              <p:prevCondLst>
+                <p:cond evt="onPrev" delay="0">
+                  <p:tgtEl>
+                    <p:sldTgt/>
+                  </p:tgtEl>
+                </p:cond>
+              </p:prevCondLst>
+              <p:nextCondLst>
+                <p:cond evt="onNext" delay="0">
+                  <p:tgtEl>
+                    <p:sldTgt/>
+                  </p:tgtEl>
+                </p:cond>
+              </p:nextCondLst>
+            </p:seq>
+          </p:childTnLst>
+        </p:cTn>
+      </p:par>
+    </p:tnLst>
+    <p:bldLst>
+      <p:bldP spid="2" grpId="0"/>
+      <p:bldP spid="3" grpId="0" uiExpand="1" build="p"/>
+      <p:bldP spid="4" grpId="0" uiExpand="1" build="p"/>
+    </p:bldLst>
+  </p:timing>
 </p:sld>
 </file>
 
@@ -9367,6 +10379,177 @@
   <p:clrMapOvr>
     <a:masterClrMapping/>
   </p:clrMapOvr>
+  <p:timing>
+    <p:tnLst>
+      <p:par>
+        <p:cTn id="1" dur="indefinite" restart="never" nodeType="tmRoot">
+          <p:childTnLst>
+            <p:seq concurrent="1" nextAc="seek">
+              <p:cTn id="2" dur="indefinite" nodeType="mainSeq">
+                <p:childTnLst>
+                  <p:par>
+                    <p:cTn id="3" fill="hold">
+                      <p:stCondLst>
+                        <p:cond delay="indefinite"/>
+                      </p:stCondLst>
+                      <p:childTnLst>
+                        <p:par>
+                          <p:cTn id="4" fill="hold">
+                            <p:stCondLst>
+                              <p:cond delay="0"/>
+                            </p:stCondLst>
+                            <p:childTnLst>
+                              <p:par>
+                                <p:cTn id="5" presetID="10" presetClass="entr" presetSubtype="0" fill="hold" nodeType="clickEffect">
+                                  <p:stCondLst>
+                                    <p:cond delay="0"/>
+                                  </p:stCondLst>
+                                  <p:childTnLst>
+                                    <p:set>
+                                      <p:cBhvr>
+                                        <p:cTn id="6" dur="1" fill="hold">
+                                          <p:stCondLst>
+                                            <p:cond delay="0"/>
+                                          </p:stCondLst>
+                                        </p:cTn>
+                                        <p:tgtEl>
+                                          <p:spTgt spid="2"/>
+                                        </p:tgtEl>
+                                        <p:attrNameLst>
+                                          <p:attrName>style.visibility</p:attrName>
+                                        </p:attrNameLst>
+                                      </p:cBhvr>
+                                      <p:to>
+                                        <p:strVal val="visible"/>
+                                      </p:to>
+                                    </p:set>
+                                    <p:animEffect transition="in" filter="fade">
+                                      <p:cBhvr>
+                                        <p:cTn id="7" dur="500"/>
+                                        <p:tgtEl>
+                                          <p:spTgt spid="2"/>
+                                        </p:tgtEl>
+                                      </p:cBhvr>
+                                    </p:animEffect>
+                                  </p:childTnLst>
+                                </p:cTn>
+                              </p:par>
+                            </p:childTnLst>
+                          </p:cTn>
+                        </p:par>
+                      </p:childTnLst>
+                    </p:cTn>
+                  </p:par>
+                  <p:par>
+                    <p:cTn id="8" fill="hold">
+                      <p:stCondLst>
+                        <p:cond delay="indefinite"/>
+                      </p:stCondLst>
+                      <p:childTnLst>
+                        <p:par>
+                          <p:cTn id="9" fill="hold">
+                            <p:stCondLst>
+                              <p:cond delay="0"/>
+                            </p:stCondLst>
+                            <p:childTnLst>
+                              <p:par>
+                                <p:cTn id="10" presetID="10" presetClass="entr" presetSubtype="0" fill="hold" nodeType="clickEffect">
+                                  <p:stCondLst>
+                                    <p:cond delay="0"/>
+                                  </p:stCondLst>
+                                  <p:childTnLst>
+                                    <p:set>
+                                      <p:cBhvr>
+                                        <p:cTn id="11" dur="1" fill="hold">
+                                          <p:stCondLst>
+                                            <p:cond delay="0"/>
+                                          </p:stCondLst>
+                                        </p:cTn>
+                                        <p:tgtEl>
+                                          <p:spTgt spid="3"/>
+                                        </p:tgtEl>
+                                        <p:attrNameLst>
+                                          <p:attrName>style.visibility</p:attrName>
+                                        </p:attrNameLst>
+                                      </p:cBhvr>
+                                      <p:to>
+                                        <p:strVal val="visible"/>
+                                      </p:to>
+                                    </p:set>
+                                    <p:animEffect transition="in" filter="fade">
+                                      <p:cBhvr>
+                                        <p:cTn id="12" dur="500"/>
+                                        <p:tgtEl>
+                                          <p:spTgt spid="3"/>
+                                        </p:tgtEl>
+                                      </p:cBhvr>
+                                    </p:animEffect>
+                                  </p:childTnLst>
+                                </p:cTn>
+                              </p:par>
+                              <p:par>
+                                <p:cTn id="13" presetID="10" presetClass="entr" presetSubtype="0" fill="hold" nodeType="withEffect">
+                                  <p:stCondLst>
+                                    <p:cond delay="0"/>
+                                  </p:stCondLst>
+                                  <p:childTnLst>
+                                    <p:set>
+                                      <p:cBhvr>
+                                        <p:cTn id="14" dur="1" fill="hold">
+                                          <p:stCondLst>
+                                            <p:cond delay="0"/>
+                                          </p:stCondLst>
+                                        </p:cTn>
+                                        <p:tgtEl>
+                                          <p:spTgt spid="4"/>
+                                        </p:tgtEl>
+                                        <p:attrNameLst>
+                                          <p:attrName>style.visibility</p:attrName>
+                                        </p:attrNameLst>
+                                      </p:cBhvr>
+                                      <p:to>
+                                        <p:strVal val="visible"/>
+                                      </p:to>
+                                    </p:set>
+                                    <p:animEffect transition="in" filter="fade">
+                                      <p:cBhvr>
+                                        <p:cTn id="15" dur="500"/>
+                                        <p:tgtEl>
+                                          <p:spTgt spid="4"/>
+                                        </p:tgtEl>
+                                      </p:cBhvr>
+                                    </p:animEffect>
+                                  </p:childTnLst>
+                                </p:cTn>
+                              </p:par>
+                            </p:childTnLst>
+                          </p:cTn>
+                        </p:par>
+                      </p:childTnLst>
+                    </p:cTn>
+                  </p:par>
+                </p:childTnLst>
+              </p:cTn>
+              <p:prevCondLst>
+                <p:cond evt="onPrev" delay="0">
+                  <p:tgtEl>
+                    <p:sldTgt/>
+                  </p:tgtEl>
+                </p:cond>
+              </p:prevCondLst>
+              <p:nextCondLst>
+                <p:cond evt="onNext" delay="0">
+                  <p:tgtEl>
+                    <p:sldTgt/>
+                  </p:tgtEl>
+                </p:cond>
+              </p:nextCondLst>
+            </p:seq>
+          </p:childTnLst>
+        </p:cTn>
+      </p:par>
+    </p:tnLst>
+  </p:timing>
 </p:sld>
 </file>
 
@@ -9588,6 +10771,422 @@
   <p:clrMapOvr>
     <a:masterClrMapping/>
   </p:clrMapOvr>
+  <p:timing>
+    <p:tnLst>
+      <p:par>
+        <p:cTn id="1" dur="indefinite" restart="never" nodeType="tmRoot">
+          <p:childTnLst>
+            <p:seq concurrent="1" nextAc="seek">
+              <p:cTn id="2" dur="indefinite" nodeType="mainSeq">
+                <p:childTnLst>
+                  <p:par>
+                    <p:cTn id="3" fill="hold">
+                      <p:stCondLst>
+                        <p:cond delay="indefinite"/>
+                      </p:stCondLst>
+                      <p:childTnLst>
+                        <p:par>
+                          <p:cTn id="4" fill="hold">
+                            <p:stCondLst>
+                              <p:cond delay="0"/>
+                            </p:stCondLst>
+                            <p:childTnLst>
+                              <p:par>
+                                <p:cTn id="5" presetID="10" presetClass="entr" presetSubtype="0" fill="hold" grpId="0" nodeType="clickEffect">
+                                  <p:stCondLst>
+                                    <p:cond delay="0"/>
+                                  </p:stCondLst>
+                                  <p:childTnLst>
+                                    <p:set>
+                                      <p:cBhvr>
+                                        <p:cTn id="6" dur="1" fill="hold">
+                                          <p:stCondLst>
+                                            <p:cond delay="0"/>
+                                          </p:stCondLst>
+                                        </p:cTn>
+                                        <p:tgtEl>
+                                          <p:spTgt spid="2"/>
+                                        </p:tgtEl>
+                                        <p:attrNameLst>
+                                          <p:attrName>style.visibility</p:attrName>
+                                        </p:attrNameLst>
+                                      </p:cBhvr>
+                                      <p:to>
+                                        <p:strVal val="visible"/>
+                                      </p:to>
+                                    </p:set>
+                                    <p:animEffect transition="in" filter="fade">
+                                      <p:cBhvr>
+                                        <p:cTn id="7" dur="500"/>
+                                        <p:tgtEl>
+                                          <p:spTgt spid="2"/>
+                                        </p:tgtEl>
+                                      </p:cBhvr>
+                                    </p:animEffect>
+                                  </p:childTnLst>
+                                </p:cTn>
+                              </p:par>
+                            </p:childTnLst>
+                          </p:cTn>
+                        </p:par>
+                      </p:childTnLst>
+                    </p:cTn>
+                  </p:par>
+                  <p:par>
+                    <p:cTn id="8" fill="hold">
+                      <p:stCondLst>
+                        <p:cond delay="indefinite"/>
+                      </p:stCondLst>
+                      <p:childTnLst>
+                        <p:par>
+                          <p:cTn id="9" fill="hold">
+                            <p:stCondLst>
+                              <p:cond delay="0"/>
+                            </p:stCondLst>
+                            <p:childTnLst>
+                              <p:par>
+                                <p:cTn id="10" presetID="10" presetClass="entr" presetSubtype="0" fill="hold" grpId="0" nodeType="clickEffect">
+                                  <p:stCondLst>
+                                    <p:cond delay="0"/>
+                                  </p:stCondLst>
+                                  <p:childTnLst>
+                                    <p:set>
+                                      <p:cBhvr>
+                                        <p:cTn id="11" dur="1" fill="hold">
+                                          <p:stCondLst>
+                                            <p:cond delay="0"/>
+                                          </p:stCondLst>
+                                        </p:cTn>
+                                        <p:tgtEl>
+                                          <p:spTgt spid="12"/>
+                                        </p:tgtEl>
+                                        <p:attrNameLst>
+                                          <p:attrName>style.visibility</p:attrName>
+                                        </p:attrNameLst>
+                                      </p:cBhvr>
+                                      <p:to>
+                                        <p:strVal val="visible"/>
+                                      </p:to>
+                                    </p:set>
+                                    <p:animEffect transition="in" filter="fade">
+                                      <p:cBhvr>
+                                        <p:cTn id="12" dur="500"/>
+                                        <p:tgtEl>
+                                          <p:spTgt spid="12"/>
+                                        </p:tgtEl>
+                                      </p:cBhvr>
+                                    </p:animEffect>
+                                  </p:childTnLst>
+                                </p:cTn>
+                              </p:par>
+                              <p:par>
+                                <p:cTn id="13" presetID="10" presetClass="entr" presetSubtype="0" fill="hold" nodeType="withEffect">
+                                  <p:stCondLst>
+                                    <p:cond delay="0"/>
+                                  </p:stCondLst>
+                                  <p:childTnLst>
+                                    <p:set>
+                                      <p:cBhvr>
+                                        <p:cTn id="14" dur="1" fill="hold">
+                                          <p:stCondLst>
+                                            <p:cond delay="0"/>
+                                          </p:stCondLst>
+                                        </p:cTn>
+                                        <p:tgtEl>
+                                          <p:spTgt spid="8"/>
+                                        </p:tgtEl>
+                                        <p:attrNameLst>
+                                          <p:attrName>style.visibility</p:attrName>
+                                        </p:attrNameLst>
+                                      </p:cBhvr>
+                                      <p:to>
+                                        <p:strVal val="visible"/>
+                                      </p:to>
+                                    </p:set>
+                                    <p:animEffect transition="in" filter="fade">
+                                      <p:cBhvr>
+                                        <p:cTn id="15" dur="500"/>
+                                        <p:tgtEl>
+                                          <p:spTgt spid="8"/>
+                                        </p:tgtEl>
+                                      </p:cBhvr>
+                                    </p:animEffect>
+                                  </p:childTnLst>
+                                </p:cTn>
+                              </p:par>
+                              <p:par>
+                                <p:cTn id="16" presetID="10" presetClass="entr" presetSubtype="0" fill="hold" nodeType="withEffect">
+                                  <p:stCondLst>
+                                    <p:cond delay="0"/>
+                                  </p:stCondLst>
+                                  <p:childTnLst>
+                                    <p:set>
+                                      <p:cBhvr>
+                                        <p:cTn id="17" dur="1" fill="hold">
+                                          <p:stCondLst>
+                                            <p:cond delay="0"/>
+                                          </p:stCondLst>
+                                        </p:cTn>
+                                        <p:tgtEl>
+                                          <p:spTgt spid="3"/>
+                                        </p:tgtEl>
+                                        <p:attrNameLst>
+                                          <p:attrName>style.visibility</p:attrName>
+                                        </p:attrNameLst>
+                                      </p:cBhvr>
+                                      <p:to>
+                                        <p:strVal val="visible"/>
+                                      </p:to>
+                                    </p:set>
+                                    <p:animEffect transition="in" filter="fade">
+                                      <p:cBhvr>
+                                        <p:cTn id="18" dur="500"/>
+                                        <p:tgtEl>
+                                          <p:spTgt spid="3"/>
+                                        </p:tgtEl>
+                                      </p:cBhvr>
+                                    </p:animEffect>
+                                  </p:childTnLst>
+                                </p:cTn>
+                              </p:par>
+                              <p:par>
+                                <p:cTn id="19" presetID="10" presetClass="entr" presetSubtype="0" fill="hold" grpId="0" nodeType="withEffect">
+                                  <p:stCondLst>
+                                    <p:cond delay="0"/>
+                                  </p:stCondLst>
+                                  <p:childTnLst>
+                                    <p:set>
+                                      <p:cBhvr>
+                                        <p:cTn id="20" dur="1" fill="hold">
+                                          <p:stCondLst>
+                                            <p:cond delay="0"/>
+                                          </p:stCondLst>
+                                        </p:cTn>
+                                        <p:tgtEl>
+                                          <p:spTgt spid="6">
+                                            <p:graphicEl>
+                                              <a:dgm id="{47E4F18B-947A-40E9-97C2-63A3246E1FA0}"/>
+                                            </p:graphicEl>
+                                          </p:spTgt>
+                                        </p:tgtEl>
+                                        <p:attrNameLst>
+                                          <p:attrName>style.visibility</p:attrName>
+                                        </p:attrNameLst>
+                                      </p:cBhvr>
+                                      <p:to>
+                                        <p:strVal val="visible"/>
+                                      </p:to>
+                                    </p:set>
+                                    <p:animEffect transition="in" filter="fade">
+                                      <p:cBhvr>
+                                        <p:cTn id="21" dur="500"/>
+                                        <p:tgtEl>
+                                          <p:spTgt spid="6">
+                                            <p:graphicEl>
+                                              <a:dgm id="{47E4F18B-947A-40E9-97C2-63A3246E1FA0}"/>
+                                            </p:graphicEl>
+                                          </p:spTgt>
+                                        </p:tgtEl>
+                                      </p:cBhvr>
+                                    </p:animEffect>
+                                  </p:childTnLst>
+                                </p:cTn>
+                              </p:par>
+                            </p:childTnLst>
+                          </p:cTn>
+                        </p:par>
+                      </p:childTnLst>
+                    </p:cTn>
+                  </p:par>
+                  <p:par>
+                    <p:cTn id="22" fill="hold">
+                      <p:stCondLst>
+                        <p:cond delay="indefinite"/>
+                      </p:stCondLst>
+                      <p:childTnLst>
+                        <p:par>
+                          <p:cTn id="23" fill="hold">
+                            <p:stCondLst>
+                              <p:cond delay="0"/>
+                            </p:stCondLst>
+                            <p:childTnLst>
+                              <p:par>
+                                <p:cTn id="24" presetID="10" presetClass="entr" presetSubtype="0" fill="hold" grpId="0" nodeType="clickEffect">
+                                  <p:stCondLst>
+                                    <p:cond delay="0"/>
+                                  </p:stCondLst>
+                                  <p:childTnLst>
+                                    <p:set>
+                                      <p:cBhvr>
+                                        <p:cTn id="25" dur="1" fill="hold">
+                                          <p:stCondLst>
+                                            <p:cond delay="0"/>
+                                          </p:stCondLst>
+                                        </p:cTn>
+                                        <p:tgtEl>
+                                          <p:spTgt spid="6">
+                                            <p:graphicEl>
+                                              <a:dgm id="{47F8FA4A-FAB5-4F40-85F8-AE0CC5C6717F}"/>
+                                            </p:graphicEl>
+                                          </p:spTgt>
+                                        </p:tgtEl>
+                                        <p:attrNameLst>
+                                          <p:attrName>style.visibility</p:attrName>
+                                        </p:attrNameLst>
+                                      </p:cBhvr>
+                                      <p:to>
+                                        <p:strVal val="visible"/>
+                                      </p:to>
+                                    </p:set>
+                                    <p:animEffect transition="in" filter="fade">
+                                      <p:cBhvr>
+                                        <p:cTn id="26" dur="500"/>
+                                        <p:tgtEl>
+                                          <p:spTgt spid="6">
+                                            <p:graphicEl>
+                                              <a:dgm id="{47F8FA4A-FAB5-4F40-85F8-AE0CC5C6717F}"/>
+                                            </p:graphicEl>
+                                          </p:spTgt>
+                                        </p:tgtEl>
+                                      </p:cBhvr>
+                                    </p:animEffect>
+                                  </p:childTnLst>
+                                </p:cTn>
+                              </p:par>
+                              <p:par>
+                                <p:cTn id="27" presetID="10" presetClass="entr" presetSubtype="0" fill="hold" grpId="0" nodeType="withEffect">
+                                  <p:stCondLst>
+                                    <p:cond delay="0"/>
+                                  </p:stCondLst>
+                                  <p:childTnLst>
+                                    <p:set>
+                                      <p:cBhvr>
+                                        <p:cTn id="28" dur="1" fill="hold">
+                                          <p:stCondLst>
+                                            <p:cond delay="0"/>
+                                          </p:stCondLst>
+                                        </p:cTn>
+                                        <p:tgtEl>
+                                          <p:spTgt spid="7"/>
+                                        </p:tgtEl>
+                                        <p:attrNameLst>
+                                          <p:attrName>style.visibility</p:attrName>
+                                        </p:attrNameLst>
+                                      </p:cBhvr>
+                                      <p:to>
+                                        <p:strVal val="visible"/>
+                                      </p:to>
+                                    </p:set>
+                                    <p:animEffect transition="in" filter="fade">
+                                      <p:cBhvr>
+                                        <p:cTn id="29" dur="500"/>
+                                        <p:tgtEl>
+                                          <p:spTgt spid="7"/>
+                                        </p:tgtEl>
+                                      </p:cBhvr>
+                                    </p:animEffect>
+                                  </p:childTnLst>
+                                </p:cTn>
+                              </p:par>
+                            </p:childTnLst>
+                          </p:cTn>
+                        </p:par>
+                      </p:childTnLst>
+                    </p:cTn>
+                  </p:par>
+                  <p:par>
+                    <p:cTn id="30" fill="hold">
+                      <p:stCondLst>
+                        <p:cond delay="indefinite"/>
+                      </p:stCondLst>
+                      <p:childTnLst>
+                        <p:par>
+                          <p:cTn id="31" fill="hold">
+                            <p:stCondLst>
+                              <p:cond delay="0"/>
+                            </p:stCondLst>
+                            <p:childTnLst>
+                              <p:par>
+                                <p:cTn id="32" presetID="10" presetClass="entr" presetSubtype="0" fill="hold" grpId="0" nodeType="clickEffect">
+                                  <p:stCondLst>
+                                    <p:cond delay="0"/>
+                                  </p:stCondLst>
+                                  <p:childTnLst>
+                                    <p:set>
+                                      <p:cBhvr>
+                                        <p:cTn id="33" dur="1" fill="hold">
+                                          <p:stCondLst>
+                                            <p:cond delay="0"/>
+                                          </p:stCondLst>
+                                        </p:cTn>
+                                        <p:tgtEl>
+                                          <p:spTgt spid="6">
+                                            <p:graphicEl>
+                                              <a:dgm id="{DF867CDC-1870-42CF-AA7E-985809332632}"/>
+                                            </p:graphicEl>
+                                          </p:spTgt>
+                                        </p:tgtEl>
+                                        <p:attrNameLst>
+                                          <p:attrName>style.visibility</p:attrName>
+                                        </p:attrNameLst>
+                                      </p:cBhvr>
+                                      <p:to>
+                                        <p:strVal val="visible"/>
+                                      </p:to>
+                                    </p:set>
+                                    <p:animEffect transition="in" filter="fade">
+                                      <p:cBhvr>
+                                        <p:cTn id="34" dur="500"/>
+                                        <p:tgtEl>
+                                          <p:spTgt spid="6">
+                                            <p:graphicEl>
+                                              <a:dgm id="{DF867CDC-1870-42CF-AA7E-985809332632}"/>
+                                            </p:graphicEl>
+                                          </p:spTgt>
+                                        </p:tgtEl>
+                                      </p:cBhvr>
+                                    </p:animEffect>
+                                  </p:childTnLst>
+                                </p:cTn>
+                              </p:par>
+                            </p:childTnLst>
+                          </p:cTn>
+                        </p:par>
+                      </p:childTnLst>
+                    </p:cTn>
+                  </p:par>
+                </p:childTnLst>
+              </p:cTn>
+              <p:prevCondLst>
+                <p:cond evt="onPrev" delay="0">
+                  <p:tgtEl>
+                    <p:sldTgt/>
+                  </p:tgtEl>
+                </p:cond>
+              </p:prevCondLst>
+              <p:nextCondLst>
+                <p:cond evt="onNext" delay="0">
+                  <p:tgtEl>
+                    <p:sldTgt/>
+                  </p:tgtEl>
+                </p:cond>
+              </p:nextCondLst>
+            </p:seq>
+          </p:childTnLst>
+        </p:cTn>
+      </p:par>
+    </p:tnLst>
+    <p:bldLst>
+      <p:bldP spid="2" grpId="0"/>
+      <p:bldGraphic spid="6" grpId="0" uiExpand="1">
+        <p:bldSub>
+          <a:bldDgm bld="one"/>
+        </p:bldSub>
+      </p:bldGraphic>
+      <p:bldP spid="7" grpId="0" animBg="1"/>
+      <p:bldP spid="12" grpId="0"/>
+    </p:bldLst>
+  </p:timing>
 </p:sld>
 </file>
 
@@ -9641,6 +11240,13 @@
   <p:clrMapOvr>
     <a:masterClrMapping/>
   </p:clrMapOvr>
+  <p:timing>
+    <p:tnLst>
+      <p:par>
+        <p:cTn id="1" dur="indefinite" restart="never" nodeType="tmRoot"/>
+      </p:par>
+    </p:tnLst>
+  </p:timing>
 </p:sld>
 </file>
 
@@ -9694,6 +11300,92 @@
   <p:clrMapOvr>
     <a:masterClrMapping/>
   </p:clrMapOvr>
+  <p:timing>
+    <p:tnLst>
+      <p:par>
+        <p:cTn id="1" dur="indefinite" restart="never" nodeType="tmRoot">
+          <p:childTnLst>
+            <p:seq concurrent="1" nextAc="seek">
+              <p:cTn id="2" dur="indefinite" nodeType="mainSeq">
+                <p:childTnLst>
+                  <p:par>
+                    <p:cTn id="3" fill="hold">
+                      <p:stCondLst>
+                        <p:cond delay="indefinite"/>
+                      </p:stCondLst>
+                      <p:childTnLst>
+                        <p:par>
+                          <p:cTn id="4" fill="hold">
+                            <p:stCondLst>
+                              <p:cond delay="0"/>
+                            </p:stCondLst>
+                            <p:childTnLst>
+                              <p:par>
+                                <p:cTn id="5" presetID="10" presetClass="entr" presetSubtype="0" fill="hold" grpId="0" nodeType="clickEffect">
+                                  <p:stCondLst>
+                                    <p:cond delay="0"/>
+                                  </p:stCondLst>
+                                  <p:childTnLst>
+                                    <p:set>
+                                      <p:cBhvr>
+                                        <p:cTn id="6" dur="1" fill="hold">
+                                          <p:stCondLst>
+                                            <p:cond delay="0"/>
+                                          </p:stCondLst>
+                                        </p:cTn>
+                                        <p:tgtEl>
+                                          <p:spTgt spid="2"/>
+                                        </p:tgtEl>
+                                        <p:attrNameLst>
+                                          <p:attrName>style.visibility</p:attrName>
+                                        </p:attrNameLst>
+                                      </p:cBhvr>
+                                      <p:to>
+                                        <p:strVal val="visible"/>
+                                      </p:to>
+                                    </p:set>
+                                    <p:animEffect transition="in" filter="fade">
+                                      <p:cBhvr>
+                                        <p:cTn id="7" dur="500"/>
+                                        <p:tgtEl>
+                                          <p:spTgt spid="2"/>
+                                        </p:tgtEl>
+                                      </p:cBhvr>
+                                    </p:animEffect>
+                                  </p:childTnLst>
+                                </p:cTn>
+                              </p:par>
+                            </p:childTnLst>
+                          </p:cTn>
+                        </p:par>
+                      </p:childTnLst>
+                    </p:cTn>
+                  </p:par>
+                </p:childTnLst>
+              </p:cTn>
+              <p:prevCondLst>
+                <p:cond evt="onPrev" delay="0">
+                  <p:tgtEl>
+                    <p:sldTgt/>
+                  </p:tgtEl>
+                </p:cond>
+              </p:prevCondLst>
+              <p:nextCondLst>
+                <p:cond evt="onNext" delay="0">
+                  <p:tgtEl>
+                    <p:sldTgt/>
+                  </p:tgtEl>
+                </p:cond>
+              </p:nextCondLst>
+            </p:seq>
+          </p:childTnLst>
+        </p:cTn>
+      </p:par>
+    </p:tnLst>
+    <p:bldLst>
+      <p:bldP spid="2" grpId="0"/>
+    </p:bldLst>
+  </p:timing>
 </p:sld>
 </file>
 

--- a/グループ制作C班.pptx
+++ b/グループ制作C班.pptx
@@ -1058,8 +1058,8 @@
     <dgm:cxn modelId="{370252DB-EA89-4890-8027-CCBDB6BE6FFD}" srcId="{6C06AD46-6EA8-4957-8AC2-AFC76D94AE2F}" destId="{336938A5-0717-4107-9D26-30FF3FC20EBC}" srcOrd="0" destOrd="0" parTransId="{43FA8D64-AE7E-443E-A439-9A61BD5C6E9D}" sibTransId="{88E32698-F9CF-4892-B50C-39585B03A20B}"/>
     <dgm:cxn modelId="{33BB190C-E0F7-416B-8295-5B032AC39F77}" type="presOf" srcId="{88E32698-F9CF-4892-B50C-39585B03A20B}" destId="{F64C0DB8-3B9F-4668-A71B-A15B139C43B2}" srcOrd="1" destOrd="0" presId="urn:microsoft.com/office/officeart/2005/8/layout/process2"/>
     <dgm:cxn modelId="{E66FCE9E-AD02-4077-ADDE-42D05DC65BE1}" srcId="{6C06AD46-6EA8-4957-8AC2-AFC76D94AE2F}" destId="{35E94388-E8F0-4306-B775-2230663E12CB}" srcOrd="1" destOrd="0" parTransId="{65CA3299-B65F-4829-B191-4AA1202B1936}" sibTransId="{8A49A0FC-4C18-44EA-B14F-615AA78B4163}"/>
+    <dgm:cxn modelId="{7700636B-055B-4982-8D2F-38868C917995}" type="presOf" srcId="{6C06AD46-6EA8-4957-8AC2-AFC76D94AE2F}" destId="{18119EA7-7503-43A1-AA53-4AFFDA579BFB}" srcOrd="0" destOrd="0" presId="urn:microsoft.com/office/officeart/2005/8/layout/process2"/>
     <dgm:cxn modelId="{34D6B70C-CD14-4B0C-9131-E4C620276AC9}" type="presOf" srcId="{35E94388-E8F0-4306-B775-2230663E12CB}" destId="{DF867CDC-1870-42CF-AA7E-985809332632}" srcOrd="0" destOrd="0" presId="urn:microsoft.com/office/officeart/2005/8/layout/process2"/>
-    <dgm:cxn modelId="{7700636B-055B-4982-8D2F-38868C917995}" type="presOf" srcId="{6C06AD46-6EA8-4957-8AC2-AFC76D94AE2F}" destId="{18119EA7-7503-43A1-AA53-4AFFDA579BFB}" srcOrd="0" destOrd="0" presId="urn:microsoft.com/office/officeart/2005/8/layout/process2"/>
     <dgm:cxn modelId="{E568FDF8-25C5-4277-8505-0FF00E6591BF}" type="presParOf" srcId="{18119EA7-7503-43A1-AA53-4AFFDA579BFB}" destId="{47E4F18B-947A-40E9-97C2-63A3246E1FA0}" srcOrd="0" destOrd="0" presId="urn:microsoft.com/office/officeart/2005/8/layout/process2"/>
     <dgm:cxn modelId="{252D60F1-8FAE-4AAC-BD5B-C05E73150AC9}" type="presParOf" srcId="{18119EA7-7503-43A1-AA53-4AFFDA579BFB}" destId="{47F8FA4A-FAB5-4F40-85F8-AE0CC5C6717F}" srcOrd="1" destOrd="0" presId="urn:microsoft.com/office/officeart/2005/8/layout/process2"/>
     <dgm:cxn modelId="{0E7EF56F-8930-4726-A117-5A61C0B7AEB0}" type="presParOf" srcId="{47F8FA4A-FAB5-4F40-85F8-AE0CC5C6717F}" destId="{F64C0DB8-3B9F-4668-A71B-A15B139C43B2}" srcOrd="0" destOrd="0" presId="urn:microsoft.com/office/officeart/2005/8/layout/process2"/>
@@ -8610,7 +8610,11 @@
           <a:p>
             <a:r>
               <a:rPr lang="ja-JP" altLang="en-US" dirty="0" smtClean="0"/>
-              <a:t>夕飯男子（仮）</a:t>
+              <a:t>夕飯</a:t>
+            </a:r>
+            <a:r>
+              <a:rPr lang="ja-JP" altLang="en-US" dirty="0" smtClean="0"/>
+              <a:t>男子</a:t>
             </a:r>
             <a:endParaRPr kumimoji="1" lang="ja-JP" altLang="en-US" dirty="0"/>
           </a:p>
